--- a/projects-for-the-practical-exam/dsa-visualizer/Presentation/presentation.pptx
+++ b/projects-for-the-practical-exam/dsa-visualizer/Presentation/presentation.pptx
@@ -901,7 +901,7 @@
             </a:lnSpc>
           </a:pPr>
           <a:r>
-            <a:rPr lang="en-US"/>
+            <a:rPr lang="en-US" dirty="0"/>
             <a:t>This application performs visualization for data structures and analyzes their common operations performance using plots.</a:t>
           </a:r>
         </a:p>
@@ -942,7 +942,7 @@
             </a:lnSpc>
           </a:pPr>
           <a:r>
-            <a:rPr lang="en-US"/>
+            <a:rPr lang="en-US" dirty="0"/>
             <a:t>The application supports three sequential data structures, namely the linked list, stack, and queue, beside the heap, which is hierarchical.</a:t>
           </a:r>
         </a:p>
@@ -1206,7 +1206,7 @@
       <dgm:spPr/>
     </dgm:pt>
     <dgm:pt modelId="{6D5C266F-6A77-43BE-96CA-080D38390DA3}" type="pres">
-      <dgm:prSet presAssocID="{EC7C5C10-3172-4113-93F3-0D4E99A92110}" presName="bgRect" presStyleLbl="bgShp" presStyleIdx="2" presStyleCnt="3"/>
+      <dgm:prSet presAssocID="{EC7C5C10-3172-4113-93F3-0D4E99A92110}" presName="bgRect" presStyleLbl="bgShp" presStyleIdx="2" presStyleCnt="3" custLinFactNeighborX="71" custLinFactNeighborY="43"/>
       <dgm:spPr/>
     </dgm:pt>
     <dgm:pt modelId="{0E9C2EF8-C453-40DC-A99B-2A28078C04BD}" type="pres">
@@ -1450,7 +1450,7 @@
             <a:buNone/>
           </a:pPr>
           <a:r>
-            <a:rPr lang="en-US" sz="1900" kern="1200"/>
+            <a:rPr lang="en-US" sz="1900" kern="1200" dirty="0"/>
             <a:t>This application performs visualization for data structures and analyzes their common operations performance using plots.</a:t>
           </a:r>
         </a:p>
@@ -1610,7 +1610,7 @@
             <a:buNone/>
           </a:pPr>
           <a:r>
-            <a:rPr lang="en-US" sz="1900" kern="1200"/>
+            <a:rPr lang="en-US" sz="1900" kern="1200" dirty="0"/>
             <a:t>The application supports three sequential data structures, namely the linked list, stack, and queue, beside the heap, which is hierarchical.</a:t>
           </a:r>
         </a:p>
@@ -1627,7 +1627,7 @@
       </dsp:nvSpPr>
       <dsp:spPr>
         <a:xfrm>
-          <a:off x="0" y="3755296"/>
+          <a:off x="0" y="3755938"/>
           <a:ext cx="6024653" cy="1501861"/>
         </a:xfrm>
         <a:prstGeom prst="roundRect">
@@ -3271,7 +3271,7 @@
           <a:p>
             <a:fld id="{58B3D546-6AB5-4ABE-ABE3-0A6AACAA3BEF}" type="datetimeFigureOut">
               <a:rPr lang="en-GB" smtClean="0"/>
-              <a:t>03/01/2022</a:t>
+              <a:t>04/01/2022</a:t>
             </a:fld>
             <a:endParaRPr lang="en-GB"/>
           </a:p>
@@ -3940,7 +3940,7 @@
           <a:p>
             <a:fld id="{073D55F9-11A3-4523-8F38-6BA37933791A}" type="datetime1">
               <a:rPr lang="en-US" smtClean="0"/>
-              <a:t>1/3/2022</a:t>
+              <a:t>1/4/2022</a:t>
             </a:fld>
             <a:endParaRPr lang="en-US"/>
           </a:p>
@@ -4143,7 +4143,7 @@
           <a:p>
             <a:fld id="{0B4E757A-3EC2-4683-9080-1A460C37C843}" type="datetime1">
               <a:rPr lang="en-US" smtClean="0"/>
-              <a:t>1/3/2022</a:t>
+              <a:t>1/4/2022</a:t>
             </a:fld>
             <a:endParaRPr lang="en-US"/>
           </a:p>
@@ -4356,7 +4356,7 @@
           <a:p>
             <a:fld id="{5CC8096C-64ED-4153-A483-5C02E44AD5C3}" type="datetime1">
               <a:rPr lang="en-US" smtClean="0"/>
-              <a:t>1/3/2022</a:t>
+              <a:t>1/4/2022</a:t>
             </a:fld>
             <a:endParaRPr lang="en-US" dirty="0"/>
           </a:p>
@@ -4559,7 +4559,7 @@
           <a:p>
             <a:fld id="{1CB9D56B-6EBE-4E5F-99D9-2A3DBDF37D0A}" type="datetime1">
               <a:rPr lang="en-US" smtClean="0"/>
-              <a:t>1/3/2022</a:t>
+              <a:t>1/4/2022</a:t>
             </a:fld>
             <a:endParaRPr lang="en-US"/>
           </a:p>
@@ -4838,7 +4838,7 @@
           <a:p>
             <a:fld id="{8C33F3CA-C7E3-432D-9282-18F13836509A}" type="datetime1">
               <a:rPr lang="en-US" smtClean="0"/>
-              <a:t>1/3/2022</a:t>
+              <a:t>1/4/2022</a:t>
             </a:fld>
             <a:endParaRPr lang="en-US" dirty="0"/>
           </a:p>
@@ -5109,7 +5109,7 @@
           <a:p>
             <a:fld id="{75BE9C62-1337-40B8-BA50-E9F4861DB4BC}" type="datetime1">
               <a:rPr lang="en-US" smtClean="0"/>
-              <a:t>1/3/2022</a:t>
+              <a:t>1/4/2022</a:t>
             </a:fld>
             <a:endParaRPr lang="en-US"/>
           </a:p>
@@ -5527,7 +5527,7 @@
           <a:p>
             <a:fld id="{47C195EB-2DA3-4B24-8725-19BC22A7BE50}" type="datetime1">
               <a:rPr lang="en-US" smtClean="0"/>
-              <a:t>1/3/2022</a:t>
+              <a:t>1/4/2022</a:t>
             </a:fld>
             <a:endParaRPr lang="en-US"/>
           </a:p>
@@ -5672,7 +5672,7 @@
           <a:p>
             <a:fld id="{F4E237E6-0076-4915-A5A8-B7C11FA4F374}" type="datetime1">
               <a:rPr lang="en-US" smtClean="0"/>
-              <a:t>1/3/2022</a:t>
+              <a:t>1/4/2022</a:t>
             </a:fld>
             <a:endParaRPr lang="en-US"/>
           </a:p>
@@ -5788,7 +5788,7 @@
           <a:p>
             <a:fld id="{3505F58F-C0B5-422A-8E5A-6B99E5D80F0A}" type="datetime1">
               <a:rPr lang="en-US" smtClean="0"/>
-              <a:t>1/3/2022</a:t>
+              <a:t>1/4/2022</a:t>
             </a:fld>
             <a:endParaRPr lang="en-US"/>
           </a:p>
@@ -6104,7 +6104,7 @@
           <a:p>
             <a:fld id="{7565E655-9687-48DF-A33F-F8824CCCB5D1}" type="datetime1">
               <a:rPr lang="en-US" smtClean="0"/>
-              <a:t>1/3/2022</a:t>
+              <a:t>1/4/2022</a:t>
             </a:fld>
             <a:endParaRPr lang="en-US"/>
           </a:p>
@@ -6396,7 +6396,7 @@
           <a:p>
             <a:fld id="{B97FD56A-AAB8-4544-A495-D0645413C9E3}" type="datetime1">
               <a:rPr lang="en-US" smtClean="0"/>
-              <a:t>1/3/2022</a:t>
+              <a:t>1/4/2022</a:t>
             </a:fld>
             <a:endParaRPr lang="en-US"/>
           </a:p>
@@ -6643,7 +6643,7 @@
             <a:fld id="{193BAB95-8DA7-460B-B00A-7037C8394FB0}" type="datetime1">
               <a:rPr lang="en-US" smtClean="0"/>
               <a:pPr/>
-              <a:t>1/3/2022</a:t>
+              <a:t>1/4/2022</a:t>
             </a:fld>
             <a:endParaRPr lang="en-US" dirty="0"/>
           </a:p>
@@ -11281,7 +11281,7 @@
         </p:blipFill>
         <p:spPr>
           <a:xfrm>
-            <a:off x="1093788" y="2166938"/>
+            <a:off x="1093787" y="2166938"/>
             <a:ext cx="3254375" cy="3457575"/>
           </a:xfrm>
           <a:prstGeom prst="rect">
@@ -11978,8 +11978,8 @@
           </a:p>
         </p:txBody>
       </p:sp>
-      <mc:AlternateContent xmlns:mc="http://schemas.openxmlformats.org/markup-compatibility/2006">
-        <mc:Choice xmlns:a14="http://schemas.microsoft.com/office/drawing/2010/main" Requires="a14">
+      <mc:AlternateContent xmlns:mc="http://schemas.openxmlformats.org/markup-compatibility/2006" xmlns:a14="http://schemas.microsoft.com/office/drawing/2010/main">
+        <mc:Choice Requires="a14">
           <p:sp>
             <p:nvSpPr>
               <p:cNvPr id="3" name="Content Placeholder 2">
@@ -12075,7 +12075,7 @@
             </p:txBody>
           </p:sp>
         </mc:Choice>
-        <mc:Fallback>
+        <mc:Fallback xmlns="">
           <p:sp>
             <p:nvSpPr>
               <p:cNvPr id="3" name="Content Placeholder 2">
@@ -12508,14 +12508,14 @@
           <a:lstStyle/>
           <a:p>
             <a:r>
-              <a:rPr lang="en-US">
+              <a:rPr lang="en-US" dirty="0">
                 <a:solidFill>
                   <a:schemeClr val="bg1"/>
                 </a:solidFill>
               </a:rPr>
               <a:t>Overview</a:t>
             </a:r>
-            <a:endParaRPr lang="en-GB">
+            <a:endParaRPr lang="en-GB" dirty="0">
               <a:solidFill>
                 <a:schemeClr val="bg1"/>
               </a:solidFill>
@@ -12539,7 +12539,7 @@
             <p:ph idx="1"/>
             <p:extLst>
               <p:ext uri="{D42A27DB-BD31-4B8C-83A1-F6EECF244321}">
-                <p14:modId xmlns:p14="http://schemas.microsoft.com/office/powerpoint/2010/main" val="3253298921"/>
+                <p14:modId xmlns:p14="http://schemas.microsoft.com/office/powerpoint/2010/main" val="39090412"/>
               </p:ext>
             </p:extLst>
           </p:nvPr>
@@ -15178,14 +15178,14 @@
           <a:lstStyle/>
           <a:p>
             <a:r>
-              <a:rPr lang="en-US">
+              <a:rPr lang="en-US" dirty="0">
                 <a:solidFill>
                   <a:schemeClr val="bg1"/>
                 </a:solidFill>
               </a:rPr>
               <a:t>Home Page</a:t>
             </a:r>
-            <a:endParaRPr lang="en-GB">
+            <a:endParaRPr lang="en-GB" dirty="0">
               <a:solidFill>
                 <a:schemeClr val="bg1"/>
               </a:solidFill>
